--- a/Présentation-Blockchain.pptx
+++ b/Présentation-Blockchain.pptx
@@ -5,10 +5,10 @@
     <p:sldMasterId id="2147483648" r:id="rId4"/>
   </p:sldMasterIdLst>
   <p:notesMasterIdLst>
-    <p:notesMasterId r:id="rId17"/>
+    <p:notesMasterId r:id="rId18"/>
   </p:notesMasterIdLst>
   <p:handoutMasterIdLst>
-    <p:handoutMasterId r:id="rId18"/>
+    <p:handoutMasterId r:id="rId19"/>
   </p:handoutMasterIdLst>
   <p:sldIdLst>
     <p:sldId id="256" r:id="rId5"/>
@@ -22,7 +22,8 @@
     <p:sldId id="282" r:id="rId13"/>
     <p:sldId id="283" r:id="rId14"/>
     <p:sldId id="284" r:id="rId15"/>
-    <p:sldId id="285" r:id="rId16"/>
+    <p:sldId id="286" r:id="rId16"/>
+    <p:sldId id="285" r:id="rId17"/>
   </p:sldIdLst>
   <p:sldSz cx="12192000" cy="6858000"/>
   <p:notesSz cx="6858000" cy="9144000"/>
@@ -4318,6 +4319,193 @@
 </file>
 
 <file path=ppt/slides/slide12.xml><?xml version="1.0" encoding="utf-8"?>
+<p:sld xmlns:a="http://schemas.openxmlformats.org/drawingml/2006/main" xmlns:r="http://schemas.openxmlformats.org/officeDocument/2006/relationships" xmlns:p="http://schemas.openxmlformats.org/presentationml/2006/main">
+  <p:cSld>
+    <p:spTree>
+      <p:nvGrpSpPr>
+        <p:cNvPr id="1" name=""/>
+        <p:cNvGrpSpPr/>
+        <p:nvPr/>
+      </p:nvGrpSpPr>
+      <p:grpSpPr>
+        <a:xfrm>
+          <a:off x="0" y="0"/>
+          <a:ext cx="0" cy="0"/>
+          <a:chOff x="0" y="0"/>
+          <a:chExt cx="0" cy="0"/>
+        </a:xfrm>
+      </p:grpSpPr>
+      <p:sp>
+        <p:nvSpPr>
+          <p:cNvPr id="13" name="Titre 12"/>
+          <p:cNvSpPr>
+            <a:spLocks noGrp="1"/>
+          </p:cNvSpPr>
+          <p:nvPr>
+            <p:ph type="title"/>
+          </p:nvPr>
+        </p:nvSpPr>
+        <p:spPr/>
+        <p:txBody>
+          <a:bodyPr rtlCol="0"/>
+          <a:lstStyle/>
+          <a:p>
+            <a:pPr rtl="0"/>
+            <a:r>
+              <a:rPr lang="fr-FR" b="1" dirty="0"/>
+              <a:t>Quick sort</a:t>
+            </a:r>
+            <a:endParaRPr lang="fr-FR" dirty="0"/>
+          </a:p>
+        </p:txBody>
+      </p:sp>
+      <p:sp>
+        <p:nvSpPr>
+          <p:cNvPr id="14" name="Espace réservé du contenu 13"/>
+          <p:cNvSpPr>
+            <a:spLocks noGrp="1"/>
+          </p:cNvSpPr>
+          <p:nvPr>
+            <p:ph idx="1"/>
+          </p:nvPr>
+        </p:nvSpPr>
+        <p:spPr>
+          <a:xfrm>
+            <a:off x="1524000" y="2348880"/>
+            <a:ext cx="9144000" cy="4051920"/>
+          </a:xfrm>
+        </p:spPr>
+        <p:txBody>
+          <a:bodyPr rtlCol="0">
+            <a:normAutofit/>
+          </a:bodyPr>
+          <a:lstStyle/>
+          <a:p>
+            <a:r>
+              <a:rPr lang="fr-FR" dirty="0" err="1"/>
+              <a:t>Wait</a:t>
+            </a:r>
+            <a:r>
+              <a:rPr lang="fr-FR" dirty="0"/>
+              <a:t> an string </a:t>
+            </a:r>
+            <a:r>
+              <a:rPr lang="fr-FR" dirty="0" err="1"/>
+              <a:t>with</a:t>
+            </a:r>
+            <a:r>
+              <a:rPr lang="fr-FR" dirty="0"/>
+              <a:t> pattern « </a:t>
+            </a:r>
+            <a:r>
+              <a:rPr lang="fr-FR" dirty="0" err="1"/>
+              <a:t>a;b;c;d</a:t>
+            </a:r>
+            <a:r>
+              <a:rPr lang="fr-FR" dirty="0"/>
+              <a:t> »</a:t>
+            </a:r>
+          </a:p>
+          <a:p>
+            <a:r>
+              <a:rPr lang="fr-FR" dirty="0" err="1"/>
+              <a:t>Convert</a:t>
+            </a:r>
+            <a:r>
+              <a:rPr lang="fr-FR" dirty="0"/>
+              <a:t> </a:t>
+            </a:r>
+            <a:r>
+              <a:rPr lang="fr-FR" dirty="0" err="1"/>
+              <a:t>it</a:t>
+            </a:r>
+            <a:r>
+              <a:rPr lang="fr-FR" dirty="0"/>
+              <a:t> to an </a:t>
+            </a:r>
+            <a:r>
+              <a:rPr lang="fr-FR" dirty="0" err="1"/>
+              <a:t>array</a:t>
+            </a:r>
+            <a:endParaRPr lang="fr-FR" dirty="0"/>
+          </a:p>
+          <a:p>
+            <a:r>
+              <a:rPr lang="fr-FR" dirty="0"/>
+              <a:t>Sort </a:t>
+            </a:r>
+            <a:r>
+              <a:rPr lang="fr-FR" dirty="0" err="1"/>
+              <a:t>it</a:t>
+            </a:r>
+            <a:r>
+              <a:rPr lang="fr-FR" dirty="0"/>
+              <a:t> </a:t>
+            </a:r>
+            <a:r>
+              <a:rPr lang="fr-FR" dirty="0" err="1"/>
+              <a:t>using</a:t>
+            </a:r>
+            <a:r>
+              <a:rPr lang="fr-FR" dirty="0"/>
+              <a:t> quick sort</a:t>
+            </a:r>
+          </a:p>
+          <a:p>
+            <a:r>
+              <a:rPr lang="fr-FR" dirty="0"/>
+              <a:t>Return the </a:t>
+            </a:r>
+            <a:r>
+              <a:rPr lang="fr-FR" dirty="0" err="1"/>
+              <a:t>sorted</a:t>
+            </a:r>
+            <a:r>
+              <a:rPr lang="fr-FR" dirty="0"/>
+              <a:t> </a:t>
+            </a:r>
+            <a:r>
+              <a:rPr lang="fr-FR" dirty="0" err="1"/>
+              <a:t>array</a:t>
+            </a:r>
+            <a:endParaRPr lang="fr-FR" dirty="0"/>
+          </a:p>
+          <a:p>
+            <a:pPr marL="365760" lvl="1" indent="0">
+              <a:buNone/>
+            </a:pPr>
+            <a:endParaRPr lang="fr-FR" dirty="0"/>
+          </a:p>
+          <a:p>
+            <a:endParaRPr lang="fr-FR" dirty="0"/>
+          </a:p>
+          <a:p>
+            <a:endParaRPr lang="fr-FR" dirty="0"/>
+          </a:p>
+          <a:p>
+            <a:pPr rtl="0"/>
+            <a:endParaRPr lang="fr-FR" dirty="0"/>
+          </a:p>
+          <a:p>
+            <a:pPr rtl="0"/>
+            <a:endParaRPr lang="fr-FR" dirty="0"/>
+          </a:p>
+        </p:txBody>
+      </p:sp>
+    </p:spTree>
+    <p:extLst>
+      <p:ext uri="{BB962C8B-B14F-4D97-AF65-F5344CB8AC3E}">
+        <p14:creationId xmlns:p14="http://schemas.microsoft.com/office/powerpoint/2010/main" val="3767512139"/>
+      </p:ext>
+    </p:extLst>
+  </p:cSld>
+  <p:clrMapOvr>
+    <a:masterClrMapping/>
+  </p:clrMapOvr>
+</p:sld>
+</file>
+
+<file path=ppt/slides/slide13.xml><?xml version="1.0" encoding="utf-8"?>
 <p:sld xmlns:a="http://schemas.openxmlformats.org/drawingml/2006/main" xmlns:r="http://schemas.openxmlformats.org/officeDocument/2006/relationships" xmlns:p="http://schemas.openxmlformats.org/presentationml/2006/main">
   <p:cSld>
     <p:spTree>

--- a/Présentation-Blockchain.pptx
+++ b/Présentation-Blockchain.pptx
@@ -5,10 +5,10 @@
     <p:sldMasterId id="2147483648" r:id="rId4"/>
   </p:sldMasterIdLst>
   <p:notesMasterIdLst>
-    <p:notesMasterId r:id="rId18"/>
+    <p:notesMasterId r:id="rId19"/>
   </p:notesMasterIdLst>
   <p:handoutMasterIdLst>
-    <p:handoutMasterId r:id="rId19"/>
+    <p:handoutMasterId r:id="rId20"/>
   </p:handoutMasterIdLst>
   <p:sldIdLst>
     <p:sldId id="256" r:id="rId5"/>
@@ -24,6 +24,7 @@
     <p:sldId id="284" r:id="rId15"/>
     <p:sldId id="286" r:id="rId16"/>
     <p:sldId id="285" r:id="rId17"/>
+    <p:sldId id="287" r:id="rId18"/>
   </p:sldIdLst>
   <p:sldSz cx="12192000" cy="6858000"/>
   <p:notesSz cx="6858000" cy="9144000"/>
@@ -4691,6 +4692,205 @@
     <p:extLst>
       <p:ext uri="{BB962C8B-B14F-4D97-AF65-F5344CB8AC3E}">
         <p14:creationId xmlns:p14="http://schemas.microsoft.com/office/powerpoint/2010/main" val="2575031560"/>
+      </p:ext>
+    </p:extLst>
+  </p:cSld>
+  <p:clrMapOvr>
+    <a:masterClrMapping/>
+  </p:clrMapOvr>
+</p:sld>
+</file>
+
+<file path=ppt/slides/slide14.xml><?xml version="1.0" encoding="utf-8"?>
+<p:sld xmlns:a="http://schemas.openxmlformats.org/drawingml/2006/main" xmlns:r="http://schemas.openxmlformats.org/officeDocument/2006/relationships" xmlns:p="http://schemas.openxmlformats.org/presentationml/2006/main">
+  <p:cSld>
+    <p:spTree>
+      <p:nvGrpSpPr>
+        <p:cNvPr id="1" name=""/>
+        <p:cNvGrpSpPr/>
+        <p:nvPr/>
+      </p:nvGrpSpPr>
+      <p:grpSpPr>
+        <a:xfrm>
+          <a:off x="0" y="0"/>
+          <a:ext cx="0" cy="0"/>
+          <a:chOff x="0" y="0"/>
+          <a:chExt cx="0" cy="0"/>
+        </a:xfrm>
+      </p:grpSpPr>
+      <p:sp>
+        <p:nvSpPr>
+          <p:cNvPr id="13" name="Titre 12"/>
+          <p:cNvSpPr>
+            <a:spLocks noGrp="1"/>
+          </p:cNvSpPr>
+          <p:nvPr>
+            <p:ph type="title"/>
+          </p:nvPr>
+        </p:nvSpPr>
+        <p:spPr/>
+        <p:txBody>
+          <a:bodyPr rtlCol="0"/>
+          <a:lstStyle/>
+          <a:p>
+            <a:pPr rtl="0"/>
+            <a:r>
+              <a:rPr lang="fr-FR" b="1" dirty="0" err="1"/>
+              <a:t>Comb</a:t>
+            </a:r>
+            <a:r>
+              <a:rPr lang="fr-FR" b="1" dirty="0"/>
+              <a:t> sort</a:t>
+            </a:r>
+            <a:endParaRPr lang="fr-FR" dirty="0"/>
+          </a:p>
+        </p:txBody>
+      </p:sp>
+      <p:sp>
+        <p:nvSpPr>
+          <p:cNvPr id="14" name="Espace réservé du contenu 13"/>
+          <p:cNvSpPr>
+            <a:spLocks noGrp="1"/>
+          </p:cNvSpPr>
+          <p:nvPr>
+            <p:ph idx="1"/>
+          </p:nvPr>
+        </p:nvSpPr>
+        <p:spPr>
+          <a:xfrm>
+            <a:off x="1524000" y="2348880"/>
+            <a:ext cx="9144000" cy="4051920"/>
+          </a:xfrm>
+        </p:spPr>
+        <p:txBody>
+          <a:bodyPr rtlCol="0">
+            <a:normAutofit/>
+          </a:bodyPr>
+          <a:lstStyle/>
+          <a:p>
+            <a:r>
+              <a:rPr lang="fr-FR" dirty="0" err="1"/>
+              <a:t>Wait</a:t>
+            </a:r>
+            <a:r>
+              <a:rPr lang="fr-FR" dirty="0"/>
+              <a:t> an string </a:t>
+            </a:r>
+            <a:r>
+              <a:rPr lang="fr-FR" dirty="0" err="1"/>
+              <a:t>with</a:t>
+            </a:r>
+            <a:r>
+              <a:rPr lang="fr-FR" dirty="0"/>
+              <a:t> pattern « </a:t>
+            </a:r>
+            <a:r>
+              <a:rPr lang="fr-FR" dirty="0" err="1"/>
+              <a:t>a;b;c;d</a:t>
+            </a:r>
+            <a:r>
+              <a:rPr lang="fr-FR" dirty="0"/>
+              <a:t> »</a:t>
+            </a:r>
+          </a:p>
+          <a:p>
+            <a:r>
+              <a:rPr lang="fr-FR" dirty="0" err="1"/>
+              <a:t>Convert</a:t>
+            </a:r>
+            <a:r>
+              <a:rPr lang="fr-FR" dirty="0"/>
+              <a:t> </a:t>
+            </a:r>
+            <a:r>
+              <a:rPr lang="fr-FR" dirty="0" err="1"/>
+              <a:t>it</a:t>
+            </a:r>
+            <a:r>
+              <a:rPr lang="fr-FR" dirty="0"/>
+              <a:t> to an </a:t>
+            </a:r>
+            <a:r>
+              <a:rPr lang="fr-FR" dirty="0" err="1"/>
+              <a:t>array</a:t>
+            </a:r>
+            <a:endParaRPr lang="fr-FR" dirty="0"/>
+          </a:p>
+          <a:p>
+            <a:r>
+              <a:rPr lang="fr-FR" dirty="0"/>
+              <a:t>Sort </a:t>
+            </a:r>
+            <a:r>
+              <a:rPr lang="fr-FR" dirty="0" err="1"/>
+              <a:t>it</a:t>
+            </a:r>
+            <a:r>
+              <a:rPr lang="fr-FR" dirty="0"/>
+              <a:t> </a:t>
+            </a:r>
+            <a:r>
+              <a:rPr lang="fr-FR" dirty="0" err="1"/>
+              <a:t>using</a:t>
+            </a:r>
+            <a:r>
+              <a:rPr lang="fr-FR" dirty="0"/>
+              <a:t> </a:t>
+            </a:r>
+            <a:r>
+              <a:rPr lang="fr-FR" dirty="0" err="1"/>
+              <a:t>comb</a:t>
+            </a:r>
+            <a:r>
+              <a:rPr lang="fr-FR" dirty="0"/>
+              <a:t> sort</a:t>
+            </a:r>
+          </a:p>
+          <a:p>
+            <a:r>
+              <a:rPr lang="fr-FR" dirty="0"/>
+              <a:t>Return the </a:t>
+            </a:r>
+            <a:r>
+              <a:rPr lang="fr-FR" dirty="0" err="1"/>
+              <a:t>sorted</a:t>
+            </a:r>
+            <a:r>
+              <a:rPr lang="fr-FR" dirty="0"/>
+              <a:t> </a:t>
+            </a:r>
+            <a:r>
+              <a:rPr lang="fr-FR" dirty="0" err="1"/>
+              <a:t>array</a:t>
+            </a:r>
+            <a:endParaRPr lang="fr-FR" dirty="0"/>
+          </a:p>
+          <a:p>
+            <a:pPr marL="365760" lvl="1" indent="0">
+              <a:buNone/>
+            </a:pPr>
+            <a:endParaRPr lang="fr-FR" dirty="0"/>
+          </a:p>
+          <a:p>
+            <a:endParaRPr lang="fr-FR" dirty="0"/>
+          </a:p>
+          <a:p>
+            <a:endParaRPr lang="fr-FR" dirty="0"/>
+          </a:p>
+          <a:p>
+            <a:pPr rtl="0"/>
+            <a:endParaRPr lang="fr-FR" dirty="0"/>
+          </a:p>
+          <a:p>
+            <a:pPr rtl="0"/>
+            <a:endParaRPr lang="fr-FR" dirty="0"/>
+          </a:p>
+        </p:txBody>
+      </p:sp>
+    </p:spTree>
+    <p:extLst>
+      <p:ext uri="{BB962C8B-B14F-4D97-AF65-F5344CB8AC3E}">
+        <p14:creationId xmlns:p14="http://schemas.microsoft.com/office/powerpoint/2010/main" val="4141250317"/>
       </p:ext>
     </p:extLst>
   </p:cSld>
